--- a/ppt/算法讲解061【必备】最小生成树.pptx
+++ b/ppt/算法讲解061【必备】最小生成树.pptx
@@ -4063,7 +4063,7 @@
                   </a:schemeClr>
                 </a:solidFill>
               </a:rPr>
-              <a:t>保证联通性</a:t>
+              <a:t>保证连通性</a:t>
             </a:r>
             <a:r>
               <a:t> 的情况下，</a:t>
